--- a/ResEng/ResFluid.pptx
+++ b/ResEng/ResFluid.pptx
@@ -21,9 +21,9 @@
     <p:sldId id="424" r:id="rId9"/>
     <p:sldId id="421" r:id="rId10"/>
     <p:sldId id="435" r:id="rId11"/>
-    <p:sldId id="432" r:id="rId12"/>
-    <p:sldId id="429" r:id="rId13"/>
-    <p:sldId id="433" r:id="rId14"/>
+    <p:sldId id="441" r:id="rId12"/>
+    <p:sldId id="442" r:id="rId13"/>
+    <p:sldId id="443" r:id="rId14"/>
     <p:sldId id="431" r:id="rId15"/>
     <p:sldId id="430" r:id="rId16"/>
     <p:sldId id="428" r:id="rId17"/>
@@ -146,9 +146,9 @@
             <p14:sldId id="424"/>
             <p14:sldId id="421"/>
             <p14:sldId id="435"/>
-            <p14:sldId id="432"/>
-            <p14:sldId id="429"/>
-            <p14:sldId id="433"/>
+            <p14:sldId id="441"/>
+            <p14:sldId id="442"/>
+            <p14:sldId id="443"/>
             <p14:sldId id="431"/>
             <p14:sldId id="430"/>
             <p14:sldId id="428"/>
@@ -175,9 +175,7 @@
 <file path=ppt/revisionInfo.xml><?xml version="1.0" encoding="utf-8"?>
 <p1510:revInfo xmlns:a="http://schemas.openxmlformats.org/drawingml/2006/main" xmlns:r="http://schemas.openxmlformats.org/officeDocument/2006/relationships" xmlns:p1510="http://schemas.microsoft.com/office/powerpoint/2015/10/main">
   <p1510:revLst>
-    <p1510:client id="{5786C8E1-074B-4851-B773-49EBF8461A18}" v="5" dt="2023-02-18T21:51:49.788"/>
-    <p1510:client id="{664E6EE8-360E-1C44-85AC-F322946D7C7F}" v="81" dt="2023-02-18T08:11:27.326"/>
-    <p1510:client id="{6FA8F1AD-977E-400E-BC82-18430FA1A0D1}" v="95" dt="2023-02-18T08:48:25.349"/>
+    <p1510:client id="{8B6EE24D-DB25-4962-A021-79063457BD27}" v="1" dt="2023-02-27T14:40:32.065"/>
   </p1510:revLst>
 </p1510:revInfo>
 </file>
@@ -3519,6 +3517,57 @@
             <ac:inkMk id="5" creationId="{76CCA6B4-AE65-2A96-89E8-7CE414820509}"/>
           </ac:inkMkLst>
         </pc:inkChg>
+      </pc:sldChg>
+    </pc:docChg>
+  </pc:docChgLst>
+  <pc:docChgLst>
+    <pc:chgData name="hirose taichi" userId="ed2dc4b0-8795-4813-ada8-f41a239e7d7d" providerId="ADAL" clId="{8B6EE24D-DB25-4962-A021-79063457BD27}"/>
+    <pc:docChg chg="addSld delSld modSld modSection">
+      <pc:chgData name="hirose taichi" userId="ed2dc4b0-8795-4813-ada8-f41a239e7d7d" providerId="ADAL" clId="{8B6EE24D-DB25-4962-A021-79063457BD27}" dt="2023-02-27T14:41:13.389" v="3" actId="47"/>
+      <pc:docMkLst>
+        <pc:docMk/>
+      </pc:docMkLst>
+      <pc:sldChg chg="del">
+        <pc:chgData name="hirose taichi" userId="ed2dc4b0-8795-4813-ada8-f41a239e7d7d" providerId="ADAL" clId="{8B6EE24D-DB25-4962-A021-79063457BD27}" dt="2023-02-27T14:41:13.389" v="3" actId="47"/>
+        <pc:sldMkLst>
+          <pc:docMk/>
+          <pc:sldMk cId="3193436320" sldId="429"/>
+        </pc:sldMkLst>
+      </pc:sldChg>
+      <pc:sldChg chg="del">
+        <pc:chgData name="hirose taichi" userId="ed2dc4b0-8795-4813-ada8-f41a239e7d7d" providerId="ADAL" clId="{8B6EE24D-DB25-4962-A021-79063457BD27}" dt="2023-02-27T14:40:46.583" v="2" actId="47"/>
+        <pc:sldMkLst>
+          <pc:docMk/>
+          <pc:sldMk cId="1117521789" sldId="432"/>
+        </pc:sldMkLst>
+      </pc:sldChg>
+      <pc:sldChg chg="del">
+        <pc:chgData name="hirose taichi" userId="ed2dc4b0-8795-4813-ada8-f41a239e7d7d" providerId="ADAL" clId="{8B6EE24D-DB25-4962-A021-79063457BD27}" dt="2023-02-27T14:40:40.630" v="1" actId="47"/>
+        <pc:sldMkLst>
+          <pc:docMk/>
+          <pc:sldMk cId="1582206103" sldId="433"/>
+        </pc:sldMkLst>
+      </pc:sldChg>
+      <pc:sldChg chg="add">
+        <pc:chgData name="hirose taichi" userId="ed2dc4b0-8795-4813-ada8-f41a239e7d7d" providerId="ADAL" clId="{8B6EE24D-DB25-4962-A021-79063457BD27}" dt="2023-02-27T14:40:32.065" v="0"/>
+        <pc:sldMkLst>
+          <pc:docMk/>
+          <pc:sldMk cId="3802882947" sldId="441"/>
+        </pc:sldMkLst>
+      </pc:sldChg>
+      <pc:sldChg chg="add">
+        <pc:chgData name="hirose taichi" userId="ed2dc4b0-8795-4813-ada8-f41a239e7d7d" providerId="ADAL" clId="{8B6EE24D-DB25-4962-A021-79063457BD27}" dt="2023-02-27T14:40:32.065" v="0"/>
+        <pc:sldMkLst>
+          <pc:docMk/>
+          <pc:sldMk cId="3313910680" sldId="442"/>
+        </pc:sldMkLst>
+      </pc:sldChg>
+      <pc:sldChg chg="add">
+        <pc:chgData name="hirose taichi" userId="ed2dc4b0-8795-4813-ada8-f41a239e7d7d" providerId="ADAL" clId="{8B6EE24D-DB25-4962-A021-79063457BD27}" dt="2023-02-27T14:40:32.065" v="0"/>
+        <pc:sldMkLst>
+          <pc:docMk/>
+          <pc:sldMk cId="2697582148" sldId="443"/>
+        </pc:sldMkLst>
       </pc:sldChg>
     </pc:docChg>
   </pc:docChgLst>
@@ -3619,7 +3668,7 @@
           <a:p>
             <a:fld id="{0C7F5B0D-7614-4FED-8845-394609A7CB8E}" type="datetimeFigureOut">
               <a:rPr kumimoji="1" lang="ja-JP" altLang="en-US" smtClean="0"/>
-              <a:t>2023/2/19</a:t>
+              <a:t>2023/2/27</a:t>
             </a:fld>
             <a:endParaRPr kumimoji="1" lang="ja-JP" altLang="en-US"/>
           </a:p>
@@ -4326,7 +4375,7 @@
           <a:p>
             <a:fld id="{5186C602-ADD5-904C-8024-0435CAED47E2}" type="datetimeFigureOut">
               <a:rPr kumimoji="1" lang="ja-JP" altLang="en-US" smtClean="0"/>
-              <a:t>2023/2/19</a:t>
+              <a:t>2023/2/27</a:t>
             </a:fld>
             <a:endParaRPr kumimoji="1" lang="ja-JP" altLang="en-US"/>
           </a:p>
@@ -8265,7 +8314,7 @@
             <a:avLst/>
           </a:prstGeom>
           <a:solidFill>
-            <a:srgbClr val="FFFF00"/>
+            <a:srgbClr val="E55959"/>
           </a:solidFill>
           <a:ln w="19050">
             <a:solidFill>
@@ -8496,15 +8545,15 @@
         </p:nvSpPr>
         <p:spPr>
           <a:xfrm>
-            <a:off x="7248344" y="3724065"/>
+            <a:off x="7248344" y="3711612"/>
             <a:ext cx="1114698" cy="461665"/>
           </a:xfrm>
           <a:prstGeom prst="rect">
             <a:avLst/>
           </a:prstGeom>
           <a:solidFill>
-            <a:srgbClr val="404040">
-              <a:alpha val="80000"/>
+            <a:srgbClr val="FFFFFF">
+              <a:alpha val="89804"/>
             </a:srgbClr>
           </a:solidFill>
         </p:spPr>
@@ -8518,7 +8567,7 @@
             <a:r>
               <a:rPr kumimoji="1" lang="ja-JP" altLang="en-US" sz="2400" b="1" dirty="0">
                 <a:solidFill>
-                  <a:srgbClr val="FFFF00"/>
+                  <a:srgbClr val="E55959"/>
                 </a:solidFill>
               </a:rPr>
               <a:t>臨界点</a:t>
@@ -8581,7 +8630,7 @@
     </p:spTree>
     <p:extLst>
       <p:ext uri="{BB962C8B-B14F-4D97-AF65-F5344CB8AC3E}">
-        <p14:creationId xmlns:p14="http://schemas.microsoft.com/office/powerpoint/2010/main" val="1117521789"/>
+        <p14:creationId xmlns:p14="http://schemas.microsoft.com/office/powerpoint/2010/main" val="3802882947"/>
       </p:ext>
     </p:extLst>
   </p:cSld>
@@ -8845,13 +8894,15 @@
               </a:ext>
             </a:extLst>
           </p:cNvPr>
-          <p:cNvCxnSpPr/>
+          <p:cNvCxnSpPr>
+            <a:cxnSpLocks/>
+          </p:cNvCxnSpPr>
           <p:nvPr/>
         </p:nvCxnSpPr>
         <p:spPr>
-          <a:xfrm>
-            <a:off x="1786045" y="4186646"/>
-            <a:ext cx="5521234" cy="0"/>
+          <a:xfrm flipV="1">
+            <a:off x="1845040" y="4444002"/>
+            <a:ext cx="6526682" cy="28575"/>
           </a:xfrm>
           <a:prstGeom prst="line">
             <a:avLst/>
@@ -8898,9 +8949,58 @@
           <p:nvPr/>
         </p:nvCxnSpPr>
         <p:spPr>
+          <a:xfrm flipH="1" flipV="1">
+            <a:off x="5148596" y="4357041"/>
+            <a:ext cx="18666" cy="2025125"/>
+          </a:xfrm>
+          <a:prstGeom prst="line">
+            <a:avLst/>
+          </a:prstGeom>
+          <a:ln w="38100">
+            <a:solidFill>
+              <a:schemeClr val="tx1">
+                <a:lumMod val="75000"/>
+                <a:lumOff val="25000"/>
+              </a:schemeClr>
+            </a:solidFill>
+            <a:prstDash val="sysDash"/>
+            <a:headEnd type="none" w="med" len="med"/>
+            <a:tailEnd type="none" w="med" len="med"/>
+          </a:ln>
+        </p:spPr>
+        <p:style>
+          <a:lnRef idx="1">
+            <a:schemeClr val="accent1"/>
+          </a:lnRef>
+          <a:fillRef idx="0">
+            <a:schemeClr val="accent1"/>
+          </a:fillRef>
+          <a:effectRef idx="0">
+            <a:schemeClr val="accent1"/>
+          </a:effectRef>
+          <a:fontRef idx="minor">
+            <a:schemeClr val="tx1"/>
+          </a:fontRef>
+        </p:style>
+      </p:cxnSp>
+      <p:cxnSp>
+        <p:nvCxnSpPr>
+          <p:cNvPr id="15" name="直線コネクタ 14">
+            <a:extLst>
+              <a:ext uri="{FF2B5EF4-FFF2-40B4-BE49-F238E27FC236}">
+                <a16:creationId xmlns:a16="http://schemas.microsoft.com/office/drawing/2014/main" id="{AFC55022-03FC-E0D2-7F12-E22097A929BD}"/>
+              </a:ext>
+            </a:extLst>
+          </p:cNvPr>
+          <p:cNvCxnSpPr>
+            <a:cxnSpLocks/>
+          </p:cNvCxnSpPr>
+          <p:nvPr/>
+        </p:nvCxnSpPr>
+        <p:spPr>
           <a:xfrm flipV="1">
-            <a:off x="5108381" y="4241507"/>
-            <a:ext cx="0" cy="2140659"/>
+            <a:off x="6699920" y="4472577"/>
+            <a:ext cx="0" cy="1909589"/>
           </a:xfrm>
           <a:prstGeom prst="line">
             <a:avLst/>
@@ -8946,7 +9046,7 @@
         </p:nvSpPr>
         <p:spPr>
           <a:xfrm>
-            <a:off x="2203268" y="3700931"/>
+            <a:off x="2141671" y="3960059"/>
             <a:ext cx="1114698" cy="595619"/>
           </a:xfrm>
           <a:prstGeom prst="rect">
@@ -9366,55 +9466,6 @@
           </a:p>
         </p:txBody>
       </p:sp>
-      <p:cxnSp>
-        <p:nvCxnSpPr>
-          <p:cNvPr id="15" name="直線コネクタ 14">
-            <a:extLst>
-              <a:ext uri="{FF2B5EF4-FFF2-40B4-BE49-F238E27FC236}">
-                <a16:creationId xmlns:a16="http://schemas.microsoft.com/office/drawing/2014/main" id="{AFC55022-03FC-E0D2-7F12-E22097A929BD}"/>
-              </a:ext>
-            </a:extLst>
-          </p:cNvPr>
-          <p:cNvCxnSpPr>
-            <a:cxnSpLocks/>
-          </p:cNvCxnSpPr>
-          <p:nvPr/>
-        </p:nvCxnSpPr>
-        <p:spPr>
-          <a:xfrm flipV="1">
-            <a:off x="6866175" y="4186646"/>
-            <a:ext cx="0" cy="2237673"/>
-          </a:xfrm>
-          <a:prstGeom prst="line">
-            <a:avLst/>
-          </a:prstGeom>
-          <a:ln w="38100">
-            <a:solidFill>
-              <a:schemeClr val="tx1">
-                <a:lumMod val="75000"/>
-                <a:lumOff val="25000"/>
-              </a:schemeClr>
-            </a:solidFill>
-            <a:prstDash val="sysDash"/>
-            <a:headEnd type="none" w="med" len="med"/>
-            <a:tailEnd type="none" w="med" len="med"/>
-          </a:ln>
-        </p:spPr>
-        <p:style>
-          <a:lnRef idx="1">
-            <a:schemeClr val="accent1"/>
-          </a:lnRef>
-          <a:fillRef idx="0">
-            <a:schemeClr val="accent1"/>
-          </a:fillRef>
-          <a:effectRef idx="0">
-            <a:schemeClr val="accent1"/>
-          </a:effectRef>
-          <a:fontRef idx="minor">
-            <a:schemeClr val="tx1"/>
-          </a:fontRef>
-        </p:style>
-      </p:cxnSp>
       <p:sp>
         <p:nvSpPr>
           <p:cNvPr id="10" name="楕円 9">
@@ -9436,7 +9487,7 @@
             <a:avLst/>
           </a:prstGeom>
           <a:solidFill>
-            <a:srgbClr val="FFFF00"/>
+            <a:srgbClr val="E55959"/>
           </a:solidFill>
           <a:ln w="19050">
             <a:solidFill>
@@ -9609,54 +9660,10 @@
           </a:p>
         </p:txBody>
       </p:sp>
-      <p:sp>
-        <p:nvSpPr>
-          <p:cNvPr id="2" name="テキスト ボックス 1">
-            <a:extLst>
-              <a:ext uri="{FF2B5EF4-FFF2-40B4-BE49-F238E27FC236}">
-                <a16:creationId xmlns:a16="http://schemas.microsoft.com/office/drawing/2014/main" id="{CC40EF69-C95D-5D36-8526-74F91F9FED03}"/>
-              </a:ext>
-            </a:extLst>
-          </p:cNvPr>
-          <p:cNvSpPr txBox="1"/>
-          <p:nvPr/>
-        </p:nvSpPr>
-        <p:spPr>
-          <a:xfrm>
-            <a:off x="5887188" y="4270082"/>
-            <a:ext cx="1420091" cy="461665"/>
-          </a:xfrm>
-          <a:prstGeom prst="rect">
-            <a:avLst/>
-          </a:prstGeom>
-          <a:solidFill>
-            <a:srgbClr val="FFFFFF">
-              <a:alpha val="89804"/>
-            </a:srgbClr>
-          </a:solidFill>
-        </p:spPr>
-        <p:txBody>
-          <a:bodyPr wrap="square" rtlCol="0" anchor="ctr">
-            <a:spAutoFit/>
-          </a:bodyPr>
-          <a:lstStyle/>
-          <a:p>
-            <a:pPr algn="ctr"/>
-            <a:r>
-              <a:rPr kumimoji="1" lang="ja-JP" altLang="en-US" sz="2400" b="1" dirty="0">
-                <a:solidFill>
-                  <a:schemeClr val="accent2"/>
-                </a:solidFill>
-              </a:rPr>
-              <a:t>気液平衡</a:t>
-            </a:r>
-          </a:p>
-        </p:txBody>
-      </p:sp>
     </p:spTree>
     <p:extLst>
       <p:ext uri="{BB962C8B-B14F-4D97-AF65-F5344CB8AC3E}">
-        <p14:creationId xmlns:p14="http://schemas.microsoft.com/office/powerpoint/2010/main" val="3193436320"/>
+        <p14:creationId xmlns:p14="http://schemas.microsoft.com/office/powerpoint/2010/main" val="3313910680"/>
       </p:ext>
     </p:extLst>
   </p:cSld>
@@ -9931,6 +9938,65 @@
       </p:grpSp>
       <p:sp>
         <p:nvSpPr>
+          <p:cNvPr id="10" name="正方形/長方形 9">
+            <a:extLst>
+              <a:ext uri="{FF2B5EF4-FFF2-40B4-BE49-F238E27FC236}">
+                <a16:creationId xmlns:a16="http://schemas.microsoft.com/office/drawing/2014/main" id="{F04FAB3E-5313-9A6A-7D1C-5E8F51EEFE0C}"/>
+              </a:ext>
+            </a:extLst>
+          </p:cNvPr>
+          <p:cNvSpPr/>
+          <p:nvPr/>
+        </p:nvSpPr>
+        <p:spPr>
+          <a:xfrm>
+            <a:off x="4994564" y="4472577"/>
+            <a:ext cx="5265352" cy="724976"/>
+          </a:xfrm>
+          <a:prstGeom prst="rect">
+            <a:avLst/>
+          </a:prstGeom>
+          <a:solidFill>
+            <a:srgbClr val="FFFFFF"/>
+          </a:solidFill>
+          <a:ln w="19050">
+            <a:noFill/>
+            <a:headEnd type="none" w="med" len="med"/>
+            <a:tailEnd type="none" w="med" len="med"/>
+          </a:ln>
+        </p:spPr>
+        <p:style>
+          <a:lnRef idx="1">
+            <a:schemeClr val="accent1"/>
+          </a:lnRef>
+          <a:fillRef idx="0">
+            <a:schemeClr val="accent1"/>
+          </a:fillRef>
+          <a:effectRef idx="0">
+            <a:schemeClr val="accent1"/>
+          </a:effectRef>
+          <a:fontRef idx="minor">
+            <a:schemeClr val="tx1"/>
+          </a:fontRef>
+        </p:style>
+        <p:txBody>
+          <a:bodyPr rtlCol="0" anchor="ctr"/>
+          <a:lstStyle/>
+          <a:p>
+            <a:pPr algn="ctr"/>
+            <a:endParaRPr kumimoji="1" lang="ja-JP" altLang="en-US" sz="2800" dirty="0">
+              <a:solidFill>
+                <a:schemeClr val="tx1">
+                  <a:lumMod val="75000"/>
+                  <a:lumOff val="25000"/>
+                </a:schemeClr>
+              </a:solidFill>
+            </a:endParaRPr>
+          </a:p>
+        </p:txBody>
+      </p:sp>
+      <p:sp>
+        <p:nvSpPr>
           <p:cNvPr id="3" name="タイトル 2">
             <a:extLst>
               <a:ext uri="{FF2B5EF4-FFF2-40B4-BE49-F238E27FC236}">
@@ -9956,13 +10022,8 @@
             </a:r>
             <a:r>
               <a:rPr kumimoji="1" lang="ja-JP" altLang="en-US" dirty="0"/>
-              <a:t>線図</a:t>
+              <a:t>線図（水 高校化学）</a:t>
             </a:r>
-            <a:r>
-              <a:rPr lang="ja-JP" altLang="en-US" dirty="0"/>
-              <a:t>（水）</a:t>
-            </a:r>
-            <a:endParaRPr kumimoji="1" lang="ja-JP" altLang="en-US" dirty="0"/>
           </a:p>
         </p:txBody>
       </p:sp>
@@ -9991,6 +10052,55 @@
           </a:p>
         </p:txBody>
       </p:sp>
+      <p:cxnSp>
+        <p:nvCxnSpPr>
+          <p:cNvPr id="2" name="直線コネクタ 1">
+            <a:extLst>
+              <a:ext uri="{FF2B5EF4-FFF2-40B4-BE49-F238E27FC236}">
+                <a16:creationId xmlns:a16="http://schemas.microsoft.com/office/drawing/2014/main" id="{540E56C1-2EFC-A3FF-B558-0464F3CCA4F1}"/>
+              </a:ext>
+            </a:extLst>
+          </p:cNvPr>
+          <p:cNvCxnSpPr>
+            <a:cxnSpLocks/>
+          </p:cNvCxnSpPr>
+          <p:nvPr/>
+        </p:nvCxnSpPr>
+        <p:spPr>
+          <a:xfrm>
+            <a:off x="1845040" y="4472577"/>
+            <a:ext cx="7871944" cy="0"/>
+          </a:xfrm>
+          <a:prstGeom prst="line">
+            <a:avLst/>
+          </a:prstGeom>
+          <a:ln w="38100">
+            <a:solidFill>
+              <a:schemeClr val="tx1">
+                <a:lumMod val="75000"/>
+                <a:lumOff val="25000"/>
+              </a:schemeClr>
+            </a:solidFill>
+            <a:prstDash val="sysDash"/>
+            <a:headEnd type="none" w="med" len="med"/>
+            <a:tailEnd type="none" w="med" len="med"/>
+          </a:ln>
+        </p:spPr>
+        <p:style>
+          <a:lnRef idx="1">
+            <a:schemeClr val="accent1"/>
+          </a:lnRef>
+          <a:fillRef idx="0">
+            <a:schemeClr val="accent1"/>
+          </a:fillRef>
+          <a:effectRef idx="0">
+            <a:schemeClr val="accent1"/>
+          </a:effectRef>
+          <a:fontRef idx="minor">
+            <a:schemeClr val="tx1"/>
+          </a:fontRef>
+        </p:style>
+      </p:cxnSp>
       <mc:AlternateContent xmlns:mc="http://schemas.openxmlformats.org/markup-compatibility/2006" xmlns:p14="http://schemas.microsoft.com/office/powerpoint/2010/main">
         <mc:Choice Requires="p14">
           <p:contentPart p14:bwMode="auto" r:id="rId3">
@@ -10042,6 +10152,61 @@
           </p:pic>
         </mc:Fallback>
       </mc:AlternateContent>
+      <p:sp>
+        <p:nvSpPr>
+          <p:cNvPr id="12" name="テキスト ボックス 11">
+            <a:extLst>
+              <a:ext uri="{FF2B5EF4-FFF2-40B4-BE49-F238E27FC236}">
+                <a16:creationId xmlns:a16="http://schemas.microsoft.com/office/drawing/2014/main" id="{D96FE153-B6DB-EB70-A01E-2201981E9241}"/>
+              </a:ext>
+            </a:extLst>
+          </p:cNvPr>
+          <p:cNvSpPr txBox="1"/>
+          <p:nvPr/>
+        </p:nvSpPr>
+        <p:spPr>
+          <a:xfrm>
+            <a:off x="5043941" y="1404672"/>
+            <a:ext cx="4426527" cy="584775"/>
+          </a:xfrm>
+          <a:prstGeom prst="rect">
+            <a:avLst/>
+          </a:prstGeom>
+          <a:solidFill>
+            <a:srgbClr val="DEECF8"/>
+          </a:solidFill>
+        </p:spPr>
+        <p:txBody>
+          <a:bodyPr wrap="square" rtlCol="0" anchor="ctr">
+            <a:spAutoFit/>
+          </a:bodyPr>
+          <a:lstStyle/>
+          <a:p>
+            <a:pPr algn="dist"/>
+            <a:r>
+              <a:rPr lang="ja-JP" altLang="en-US" sz="3200" b="1" dirty="0">
+                <a:ln w="3175">
+                  <a:noFill/>
+                </a:ln>
+                <a:solidFill>
+                  <a:srgbClr val="FF0000"/>
+                </a:solidFill>
+                <a:effectLst/>
+              </a:rPr>
+              <a:t>地熱貯留層工学の関心</a:t>
+            </a:r>
+            <a:endParaRPr kumimoji="1" lang="ja-JP" altLang="en-US" sz="3200" b="1" dirty="0">
+              <a:ln w="3175">
+                <a:noFill/>
+              </a:ln>
+              <a:solidFill>
+                <a:srgbClr val="FF0000"/>
+              </a:solidFill>
+              <a:effectLst/>
+            </a:endParaRPr>
+          </a:p>
+        </p:txBody>
+      </p:sp>
       <p:sp>
         <p:nvSpPr>
           <p:cNvPr id="6" name="正方形/長方形 5">
@@ -10164,61 +10329,6 @@
       </p:sp>
       <p:sp>
         <p:nvSpPr>
-          <p:cNvPr id="12" name="テキスト ボックス 11">
-            <a:extLst>
-              <a:ext uri="{FF2B5EF4-FFF2-40B4-BE49-F238E27FC236}">
-                <a16:creationId xmlns:a16="http://schemas.microsoft.com/office/drawing/2014/main" id="{D96FE153-B6DB-EB70-A01E-2201981E9241}"/>
-              </a:ext>
-            </a:extLst>
-          </p:cNvPr>
-          <p:cNvSpPr txBox="1"/>
-          <p:nvPr/>
-        </p:nvSpPr>
-        <p:spPr>
-          <a:xfrm>
-            <a:off x="5052443" y="1405349"/>
-            <a:ext cx="4426527" cy="584775"/>
-          </a:xfrm>
-          <a:prstGeom prst="rect">
-            <a:avLst/>
-          </a:prstGeom>
-          <a:solidFill>
-            <a:srgbClr val="DEECF8"/>
-          </a:solidFill>
-        </p:spPr>
-        <p:txBody>
-          <a:bodyPr wrap="square" rtlCol="0" anchor="ctr">
-            <a:spAutoFit/>
-          </a:bodyPr>
-          <a:lstStyle/>
-          <a:p>
-            <a:pPr algn="dist"/>
-            <a:r>
-              <a:rPr lang="ja-JP" altLang="en-US" sz="3200" b="1" dirty="0">
-                <a:ln w="3175">
-                  <a:noFill/>
-                </a:ln>
-                <a:solidFill>
-                  <a:srgbClr val="FF0000"/>
-                </a:solidFill>
-                <a:effectLst/>
-              </a:rPr>
-              <a:t>地熱貯留層工学の関心</a:t>
-            </a:r>
-            <a:endParaRPr kumimoji="1" lang="ja-JP" altLang="en-US" sz="3200" b="1" dirty="0">
-              <a:ln w="3175">
-                <a:noFill/>
-              </a:ln>
-              <a:solidFill>
-                <a:srgbClr val="FF0000"/>
-              </a:solidFill>
-              <a:effectLst/>
-            </a:endParaRPr>
-          </a:p>
-        </p:txBody>
-      </p:sp>
-      <p:sp>
-        <p:nvSpPr>
           <p:cNvPr id="13" name="正方形/長方形 12">
             <a:extLst>
               <a:ext uri="{FF2B5EF4-FFF2-40B4-BE49-F238E27FC236}">
@@ -10231,7 +10341,7 @@
         </p:nvSpPr>
         <p:spPr>
           <a:xfrm>
-            <a:off x="8855048" y="4056711"/>
+            <a:off x="9023640" y="2793338"/>
             <a:ext cx="2982823" cy="756000"/>
           </a:xfrm>
           <a:prstGeom prst="rect">
@@ -10571,7 +10681,7 @@
               <a:avLst/>
             </a:prstGeom>
             <a:solidFill>
-              <a:srgbClr val="FFFF00"/>
+              <a:srgbClr val="E55959"/>
             </a:solidFill>
             <a:ln w="19050">
               <a:solidFill>
@@ -10746,10 +10856,10 @@
         </p:sp>
         <p:sp>
           <p:nvSpPr>
-            <p:cNvPr id="31" name="テキスト ボックス 30">
+            <p:cNvPr id="32" name="テキスト ボックス 31">
               <a:extLst>
                 <a:ext uri="{FF2B5EF4-FFF2-40B4-BE49-F238E27FC236}">
-                  <a16:creationId xmlns:a16="http://schemas.microsoft.com/office/drawing/2014/main" id="{FA93AD0D-4C94-8D62-C68B-AFAA93D37FD7}"/>
+                  <a16:creationId xmlns:a16="http://schemas.microsoft.com/office/drawing/2014/main" id="{7AA9AA71-7969-91F0-3B63-E4D44BD0C7AD}"/>
                 </a:ext>
               </a:extLst>
             </p:cNvPr>
@@ -10758,8 +10868,8 @@
           </p:nvSpPr>
           <p:spPr>
             <a:xfrm>
-              <a:off x="5887188" y="4270082"/>
-              <a:ext cx="1420091" cy="461665"/>
+              <a:off x="7248344" y="3711612"/>
+              <a:ext cx="1114698" cy="461665"/>
             </a:xfrm>
             <a:prstGeom prst="rect">
               <a:avLst/>
@@ -10780,10 +10890,10 @@
               <a:r>
                 <a:rPr kumimoji="1" lang="ja-JP" altLang="en-US" sz="2400" b="1" dirty="0">
                   <a:solidFill>
-                    <a:schemeClr val="accent2"/>
+                    <a:srgbClr val="E55959"/>
                   </a:solidFill>
                 </a:rPr>
-                <a:t>気液平衡</a:t>
+                <a:t>臨界点</a:t>
               </a:r>
             </a:p>
           </p:txBody>
@@ -10840,47 +10950,106 @@
             </a:p>
           </p:txBody>
         </p:sp>
+        <p:sp>
+          <p:nvSpPr>
+            <p:cNvPr id="31" name="テキスト ボックス 30">
+              <a:extLst>
+                <a:ext uri="{FF2B5EF4-FFF2-40B4-BE49-F238E27FC236}">
+                  <a16:creationId xmlns:a16="http://schemas.microsoft.com/office/drawing/2014/main" id="{FA93AD0D-4C94-8D62-C68B-AFAA93D37FD7}"/>
+                </a:ext>
+              </a:extLst>
+            </p:cNvPr>
+            <p:cNvSpPr txBox="1"/>
+            <p:nvPr/>
+          </p:nvSpPr>
+          <p:spPr>
+            <a:xfrm>
+              <a:off x="5887188" y="4270082"/>
+              <a:ext cx="1420091" cy="461665"/>
+            </a:xfrm>
+            <a:prstGeom prst="rect">
+              <a:avLst/>
+            </a:prstGeom>
+            <a:solidFill>
+              <a:srgbClr val="FFFFFF">
+                <a:alpha val="89804"/>
+              </a:srgbClr>
+            </a:solidFill>
+          </p:spPr>
+          <p:txBody>
+            <a:bodyPr wrap="square" rtlCol="0" anchor="ctr">
+              <a:spAutoFit/>
+            </a:bodyPr>
+            <a:lstStyle/>
+            <a:p>
+              <a:pPr algn="ctr"/>
+              <a:r>
+                <a:rPr kumimoji="1" lang="ja-JP" altLang="en-US" sz="2400" b="1" dirty="0">
+                  <a:solidFill>
+                    <a:schemeClr val="accent2"/>
+                  </a:solidFill>
+                </a:rPr>
+                <a:t>気液平衡</a:t>
+              </a:r>
+            </a:p>
+          </p:txBody>
+        </p:sp>
       </p:grpSp>
       <p:sp>
         <p:nvSpPr>
-          <p:cNvPr id="7" name="テキスト ボックス 6">
+          <p:cNvPr id="11" name="正方形/長方形 10">
             <a:extLst>
               <a:ext uri="{FF2B5EF4-FFF2-40B4-BE49-F238E27FC236}">
-                <a16:creationId xmlns:a16="http://schemas.microsoft.com/office/drawing/2014/main" id="{B17F2623-49E7-1931-8F64-7D309FFC68A2}"/>
+                <a16:creationId xmlns:a16="http://schemas.microsoft.com/office/drawing/2014/main" id="{23A01B41-6F5E-8C35-78C5-7963C56881A0}"/>
               </a:ext>
             </a:extLst>
           </p:cNvPr>
-          <p:cNvSpPr txBox="1"/>
+          <p:cNvSpPr/>
           <p:nvPr/>
         </p:nvSpPr>
         <p:spPr>
           <a:xfrm>
-            <a:off x="7248344" y="3724065"/>
-            <a:ext cx="1114698" cy="461665"/>
+            <a:off x="2141671" y="3960059"/>
+            <a:ext cx="1114698" cy="595619"/>
           </a:xfrm>
           <a:prstGeom prst="rect">
             <a:avLst/>
           </a:prstGeom>
-          <a:solidFill>
-            <a:srgbClr val="404040">
-              <a:alpha val="80000"/>
-            </a:srgbClr>
-          </a:solidFill>
+          <a:noFill/>
+          <a:ln w="19050">
+            <a:noFill/>
+            <a:headEnd type="none" w="med" len="med"/>
+            <a:tailEnd type="none" w="med" len="med"/>
+          </a:ln>
         </p:spPr>
+        <p:style>
+          <a:lnRef idx="1">
+            <a:schemeClr val="accent1"/>
+          </a:lnRef>
+          <a:fillRef idx="0">
+            <a:schemeClr val="accent1"/>
+          </a:fillRef>
+          <a:effectRef idx="0">
+            <a:schemeClr val="accent1"/>
+          </a:effectRef>
+          <a:fontRef idx="minor">
+            <a:schemeClr val="tx1"/>
+          </a:fontRef>
+        </p:style>
         <p:txBody>
-          <a:bodyPr wrap="square" rtlCol="0" anchor="ctr">
-            <a:spAutoFit/>
-          </a:bodyPr>
+          <a:bodyPr rtlCol="0" anchor="ctr"/>
           <a:lstStyle/>
           <a:p>
             <a:pPr algn="ctr"/>
             <a:r>
-              <a:rPr kumimoji="1" lang="ja-JP" altLang="en-US" sz="2400" b="1" dirty="0">
+              <a:rPr kumimoji="1" lang="ja-JP" altLang="en-US" sz="2200" b="1" dirty="0">
                 <a:solidFill>
-                  <a:srgbClr val="FFFF00"/>
+                  <a:schemeClr val="accent6">
+                    <a:lumMod val="75000"/>
+                  </a:schemeClr>
                 </a:solidFill>
               </a:rPr>
-              <a:t>臨界点</a:t>
+              <a:t>大気圧</a:t>
             </a:r>
           </a:p>
         </p:txBody>
@@ -10888,7 +11057,7 @@
     </p:spTree>
     <p:extLst>
       <p:ext uri="{BB962C8B-B14F-4D97-AF65-F5344CB8AC3E}">
-        <p14:creationId xmlns:p14="http://schemas.microsoft.com/office/powerpoint/2010/main" val="1582206103"/>
+        <p14:creationId xmlns:p14="http://schemas.microsoft.com/office/powerpoint/2010/main" val="2697582148"/>
       </p:ext>
     </p:extLst>
   </p:cSld>
